--- a/Day1/B_IntroToDM.pptx
+++ b/Day1/B_IntroToDM.pptx
@@ -239,7 +239,7 @@
           <a:p>
             <a:fld id="{C333ABA6-B72D-4ED4-A6E7-13A0DAE65F1A}" type="datetimeFigureOut">
               <a:rPr lang="en-US" smtClean="0"/>
-              <a:t>6/30/24</a:t>
+              <a:t>7/13/24</a:t>
             </a:fld>
             <a:endParaRPr lang="en-US"/>
           </a:p>
@@ -3578,7 +3578,7 @@
           <a:p>
             <a:fld id="{5738B90E-0779-4C36-915C-6F05FCD89456}" type="datetime1">
               <a:rPr lang="en-US" smtClean="0"/>
-              <a:t>6/30/24</a:t>
+              <a:t>7/13/24</a:t>
             </a:fld>
             <a:endParaRPr lang="en-US"/>
           </a:p>
@@ -3796,7 +3796,7 @@
           <a:p>
             <a:fld id="{7B9EA29D-D431-42FE-B7B6-AAE4454C77D3}" type="datetime1">
               <a:rPr lang="en-US" smtClean="0"/>
-              <a:t>6/30/24</a:t>
+              <a:t>7/13/24</a:t>
             </a:fld>
             <a:endParaRPr lang="en-US"/>
           </a:p>
@@ -4056,7 +4056,7 @@
           <a:p>
             <a:fld id="{690D8A1E-EA8F-46C1-B891-AE0C00D9C314}" type="datetime1">
               <a:rPr lang="en-US" smtClean="0"/>
-              <a:t>6/30/24</a:t>
+              <a:t>7/13/24</a:t>
             </a:fld>
             <a:endParaRPr lang="en-US"/>
           </a:p>
@@ -4350,7 +4350,7 @@
           <a:p>
             <a:fld id="{D753EFC8-4232-4598-94F6-94C0EBAFC469}" type="datetime1">
               <a:rPr lang="en-US" smtClean="0"/>
-              <a:t>6/30/24</a:t>
+              <a:t>7/13/24</a:t>
             </a:fld>
             <a:endParaRPr lang="en-US"/>
           </a:p>
@@ -4665,7 +4665,7 @@
           <a:p>
             <a:fld id="{F3161074-1C18-4AE7-957D-F18524378C85}" type="datetime1">
               <a:rPr lang="en-US" smtClean="0"/>
-              <a:t>6/30/24</a:t>
+              <a:t>7/13/24</a:t>
             </a:fld>
             <a:endParaRPr lang="en-US"/>
           </a:p>
@@ -4939,7 +4939,7 @@
           <a:p>
             <a:fld id="{69BE256C-8D9A-4404-B47D-41A1AE514425}" type="datetime1">
               <a:rPr lang="en-US" smtClean="0"/>
-              <a:t>6/30/24</a:t>
+              <a:t>7/13/24</a:t>
             </a:fld>
             <a:endParaRPr lang="en-US"/>
           </a:p>
@@ -5373,7 +5373,7 @@
           <a:p>
             <a:fld id="{66CB2154-9035-4012-8189-BAAB61C5A5EE}" type="datetime1">
               <a:rPr lang="en-US" smtClean="0"/>
-              <a:t>6/30/24</a:t>
+              <a:t>7/13/24</a:t>
             </a:fld>
             <a:endParaRPr lang="en-US"/>
           </a:p>
@@ -5547,7 +5547,7 @@
           <a:p>
             <a:fld id="{6700A58B-DD98-43D0-B791-721480A02982}" type="datetime1">
               <a:rPr lang="en-US" smtClean="0"/>
-              <a:t>6/30/24</a:t>
+              <a:t>7/13/24</a:t>
             </a:fld>
             <a:endParaRPr lang="en-US"/>
           </a:p>
@@ -5739,7 +5739,7 @@
           <a:p>
             <a:fld id="{7DB6E382-4F61-4E24-BE1A-377EC83D0E3A}" type="datetime1">
               <a:rPr lang="en-US" smtClean="0"/>
-              <a:t>6/30/24</a:t>
+              <a:t>7/13/24</a:t>
             </a:fld>
             <a:endParaRPr lang="en-US"/>
           </a:p>
@@ -6050,7 +6050,7 @@
           <a:p>
             <a:fld id="{4142EED6-FC16-45B9-B8C4-2BC5DBA88325}" type="datetime1">
               <a:rPr lang="en-US" smtClean="0"/>
-              <a:t>6/30/24</a:t>
+              <a:t>7/13/24</a:t>
             </a:fld>
             <a:endParaRPr lang="en-US"/>
           </a:p>
@@ -6368,7 +6368,7 @@
           <a:p>
             <a:fld id="{DF59512B-4F1D-43D7-8819-2F53FEF69650}" type="datetime1">
               <a:rPr lang="en-US" smtClean="0"/>
-              <a:t>6/30/24</a:t>
+              <a:t>7/13/24</a:t>
             </a:fld>
             <a:endParaRPr lang="en-US"/>
           </a:p>
@@ -6644,7 +6644,7 @@
           <a:p>
             <a:fld id="{08437B94-E2BF-44DC-ADC5-B05FC9934E9D}" type="datetime1">
               <a:rPr lang="en-US" smtClean="0"/>
-              <a:t>6/30/24</a:t>
+              <a:t>7/13/24</a:t>
             </a:fld>
             <a:endParaRPr lang="en-US"/>
           </a:p>
@@ -7553,7 +7553,7 @@
           <a:p>
             <a:fld id="{9B19E99B-5349-415A-8E56-8E989211A366}" type="datetime1">
               <a:rPr lang="en-US" smtClean="0"/>
-              <a:t>6/30/24</a:t>
+              <a:t>7/13/24</a:t>
             </a:fld>
             <a:endParaRPr lang="en-US"/>
           </a:p>
@@ -7662,7 +7662,7 @@
           <a:p>
             <a:fld id="{6700A58B-DD98-43D0-B791-721480A02982}" type="datetime1">
               <a:rPr lang="en-US" smtClean="0"/>
-              <a:t>6/30/24</a:t>
+              <a:t>7/13/24</a:t>
             </a:fld>
             <a:endParaRPr lang="en-US"/>
           </a:p>
@@ -7956,7 +7956,7 @@
           <a:p>
             <a:fld id="{6700A58B-DD98-43D0-B791-721480A02982}" type="datetime1">
               <a:rPr lang="en-US" smtClean="0"/>
-              <a:t>6/30/24</a:t>
+              <a:t>7/13/24</a:t>
             </a:fld>
             <a:endParaRPr lang="en-US"/>
           </a:p>
@@ -8288,7 +8288,7 @@
           <a:p>
             <a:fld id="{6700A58B-DD98-43D0-B791-721480A02982}" type="datetime1">
               <a:rPr lang="en-US" smtClean="0"/>
-              <a:t>6/30/24</a:t>
+              <a:t>7/13/24</a:t>
             </a:fld>
             <a:endParaRPr lang="en-US"/>
           </a:p>
@@ -8534,7 +8534,7 @@
           <a:p>
             <a:fld id="{6700A58B-DD98-43D0-B791-721480A02982}" type="datetime1">
               <a:rPr lang="en-US" smtClean="0"/>
-              <a:t>6/30/24</a:t>
+              <a:t>7/13/24</a:t>
             </a:fld>
             <a:endParaRPr lang="en-US"/>
           </a:p>
@@ -8819,7 +8819,7 @@
           <a:p>
             <a:fld id="{6700A58B-DD98-43D0-B791-721480A02982}" type="datetime1">
               <a:rPr lang="en-US" smtClean="0"/>
-              <a:t>6/30/24</a:t>
+              <a:t>7/13/24</a:t>
             </a:fld>
             <a:endParaRPr lang="en-US"/>
           </a:p>
@@ -9098,7 +9098,7 @@
           <a:p>
             <a:fld id="{6700A58B-DD98-43D0-B791-721480A02982}" type="datetime1">
               <a:rPr lang="en-US" smtClean="0"/>
-              <a:t>6/30/24</a:t>
+              <a:t>7/13/24</a:t>
             </a:fld>
             <a:endParaRPr lang="en-US"/>
           </a:p>
@@ -9375,7 +9375,7 @@
           <a:p>
             <a:fld id="{6700A58B-DD98-43D0-B791-721480A02982}" type="datetime1">
               <a:rPr lang="en-US" smtClean="0"/>
-              <a:t>6/30/24</a:t>
+              <a:t>7/13/24</a:t>
             </a:fld>
             <a:endParaRPr lang="en-US"/>
           </a:p>
@@ -9710,7 +9710,7 @@
           <a:p>
             <a:fld id="{6700A58B-DD98-43D0-B791-721480A02982}" type="datetime1">
               <a:rPr lang="en-US" smtClean="0"/>
-              <a:t>6/30/24</a:t>
+              <a:t>7/13/24</a:t>
             </a:fld>
             <a:endParaRPr lang="en-US"/>
           </a:p>
@@ -10347,7 +10347,7 @@
           <a:p>
             <a:r>
               <a:rPr lang="en-US" sz="1000" dirty="0"/>
-              <a:t>What are the strongest SKUs?</a:t>
+              <a:t>What are the highest margin SKUs?</a:t>
             </a:r>
           </a:p>
         </p:txBody>
@@ -10445,7 +10445,7 @@
         <p:spPr>
           <a:xfrm>
             <a:off x="5429250" y="2223339"/>
-            <a:ext cx="1371600" cy="400110"/>
+            <a:ext cx="1371600" cy="553998"/>
           </a:xfrm>
           <a:prstGeom prst="rect">
             <a:avLst/>
@@ -10460,7 +10460,7 @@
           <a:p>
             <a:r>
               <a:rPr lang="en-US" sz="1000" dirty="0"/>
-              <a:t>What is our cost allocation?</a:t>
+              <a:t>What is our cost allocation for a good, service?</a:t>
             </a:r>
           </a:p>
         </p:txBody>
@@ -10480,7 +10480,7 @@
         <p:spPr>
           <a:xfrm>
             <a:off x="5510601" y="4333298"/>
-            <a:ext cx="1371600" cy="400110"/>
+            <a:ext cx="1371600" cy="553998"/>
           </a:xfrm>
           <a:prstGeom prst="rect">
             <a:avLst/>
@@ -10495,7 +10495,23 @@
           <a:p>
             <a:r>
               <a:rPr lang="en-US" sz="1000" dirty="0"/>
-              <a:t>Can we optimize costs?</a:t>
+              <a:t>Can we optimize costs, </a:t>
+            </a:r>
+            <a:r>
+              <a:rPr lang="en-US" sz="1000" dirty="0" err="1"/>
+              <a:t>ie</a:t>
+            </a:r>
+            <a:r>
+              <a:rPr lang="en-US" sz="1000" dirty="0"/>
+              <a:t> predicant raw material prices </a:t>
+            </a:r>
+            <a:r>
+              <a:rPr lang="en-US" sz="1000" dirty="0" err="1"/>
+              <a:t>etc</a:t>
+            </a:r>
+            <a:r>
+              <a:rPr lang="en-US" sz="1000" dirty="0"/>
+              <a:t>?</a:t>
             </a:r>
           </a:p>
         </p:txBody>
@@ -10514,7 +10530,7 @@
         </p:nvSpPr>
         <p:spPr>
           <a:xfrm>
-            <a:off x="5429250" y="3270671"/>
+            <a:off x="5429250" y="3215001"/>
             <a:ext cx="1371600" cy="553998"/>
           </a:xfrm>
           <a:prstGeom prst="rect">
@@ -10736,7 +10752,7 @@
           <a:p>
             <a:fld id="{6700A58B-DD98-43D0-B791-721480A02982}" type="datetime1">
               <a:rPr lang="en-US" smtClean="0"/>
-              <a:t>6/30/24</a:t>
+              <a:t>7/13/24</a:t>
             </a:fld>
             <a:endParaRPr lang="en-US"/>
           </a:p>
@@ -11460,7 +11476,7 @@
           <a:p>
             <a:fld id="{6700A58B-DD98-43D0-B791-721480A02982}" type="datetime1">
               <a:rPr lang="en-US" smtClean="0"/>
-              <a:t>6/30/24</a:t>
+              <a:t>7/13/24</a:t>
             </a:fld>
             <a:endParaRPr lang="en-US"/>
           </a:p>
@@ -11759,7 +11775,7 @@
           <a:p>
             <a:fld id="{6700A58B-DD98-43D0-B791-721480A02982}" type="datetime1">
               <a:rPr lang="en-US" smtClean="0"/>
-              <a:t>6/30/24</a:t>
+              <a:t>7/13/24</a:t>
             </a:fld>
             <a:endParaRPr lang="en-US"/>
           </a:p>
@@ -12047,7 +12063,7 @@
           <a:p>
             <a:fld id="{6700A58B-DD98-43D0-B791-721480A02982}" type="datetime1">
               <a:rPr lang="en-US" smtClean="0"/>
-              <a:t>6/30/24</a:t>
+              <a:t>7/13/24</a:t>
             </a:fld>
             <a:endParaRPr lang="en-US"/>
           </a:p>
@@ -12419,7 +12435,7 @@
           <a:p>
             <a:fld id="{6700A58B-DD98-43D0-B791-721480A02982}" type="datetime1">
               <a:rPr lang="en-US" smtClean="0"/>
-              <a:t>6/30/24</a:t>
+              <a:t>7/13/24</a:t>
             </a:fld>
             <a:endParaRPr lang="en-US"/>
           </a:p>
@@ -12791,7 +12807,7 @@
           <a:p>
             <a:fld id="{6700A58B-DD98-43D0-B791-721480A02982}" type="datetime1">
               <a:rPr lang="en-US" smtClean="0"/>
-              <a:t>6/30/24</a:t>
+              <a:t>7/13/24</a:t>
             </a:fld>
             <a:endParaRPr lang="en-US"/>
           </a:p>
@@ -13195,7 +13211,7 @@
           <a:p>
             <a:fld id="{6700A58B-DD98-43D0-B791-721480A02982}" type="datetime1">
               <a:rPr lang="en-US" smtClean="0"/>
-              <a:t>6/30/24</a:t>
+              <a:t>7/13/24</a:t>
             </a:fld>
             <a:endParaRPr lang="en-US"/>
           </a:p>
@@ -14706,7 +14722,7 @@
           <a:p>
             <a:fld id="{6700A58B-DD98-43D0-B791-721480A02982}" type="datetime1">
               <a:rPr lang="en-US" smtClean="0"/>
-              <a:t>6/30/24</a:t>
+              <a:t>7/13/24</a:t>
             </a:fld>
             <a:endParaRPr lang="en-US"/>
           </a:p>
@@ -15118,7 +15134,7 @@
           <a:p>
             <a:fld id="{6700A58B-DD98-43D0-B791-721480A02982}" type="datetime1">
               <a:rPr lang="en-US" smtClean="0"/>
-              <a:t>6/30/24</a:t>
+              <a:t>7/13/24</a:t>
             </a:fld>
             <a:endParaRPr lang="en-US"/>
           </a:p>
@@ -15554,7 +15570,7 @@
           <a:p>
             <a:fld id="{6700A58B-DD98-43D0-B791-721480A02982}" type="datetime1">
               <a:rPr lang="en-US" smtClean="0"/>
-              <a:t>6/30/24</a:t>
+              <a:t>7/13/24</a:t>
             </a:fld>
             <a:endParaRPr lang="en-US"/>
           </a:p>
@@ -15946,7 +15962,7 @@
           <a:p>
             <a:fld id="{6700A58B-DD98-43D0-B791-721480A02982}" type="datetime1">
               <a:rPr lang="en-US" smtClean="0"/>
-              <a:t>6/30/24</a:t>
+              <a:t>7/13/24</a:t>
             </a:fld>
             <a:endParaRPr lang="en-US"/>
           </a:p>
@@ -16334,7 +16350,7 @@
           <a:p>
             <a:fld id="{6700A58B-DD98-43D0-B791-721480A02982}" type="datetime1">
               <a:rPr lang="en-US" smtClean="0"/>
-              <a:t>6/30/24</a:t>
+              <a:t>7/13/24</a:t>
             </a:fld>
             <a:endParaRPr lang="en-US"/>
           </a:p>
@@ -16757,7 +16773,7 @@
           <a:p>
             <a:fld id="{D753EFC8-4232-4598-94F6-94C0EBAFC469}" type="datetime1">
               <a:rPr lang="en-US" smtClean="0"/>
-              <a:t>6/30/24</a:t>
+              <a:t>7/13/24</a:t>
             </a:fld>
             <a:endParaRPr lang="en-US"/>
           </a:p>
@@ -18602,7 +18618,7 @@
           <a:p>
             <a:fld id="{6700A58B-DD98-43D0-B791-721480A02982}" type="datetime1">
               <a:rPr lang="en-US" smtClean="0"/>
-              <a:t>6/30/24</a:t>
+              <a:t>7/13/24</a:t>
             </a:fld>
             <a:endParaRPr lang="en-US"/>
           </a:p>
@@ -18995,7 +19011,7 @@
           <a:p>
             <a:fld id="{6700A58B-DD98-43D0-B791-721480A02982}" type="datetime1">
               <a:rPr lang="en-US" smtClean="0"/>
-              <a:t>6/30/24</a:t>
+              <a:t>7/13/24</a:t>
             </a:fld>
             <a:endParaRPr lang="en-US"/>
           </a:p>
@@ -19383,7 +19399,7 @@
           <a:p>
             <a:fld id="{6700A58B-DD98-43D0-B791-721480A02982}" type="datetime1">
               <a:rPr lang="en-US" smtClean="0"/>
-              <a:t>6/30/24</a:t>
+              <a:t>7/13/24</a:t>
             </a:fld>
             <a:endParaRPr lang="en-US"/>
           </a:p>
@@ -19965,7 +19981,7 @@
           <a:p>
             <a:fld id="{6700A58B-DD98-43D0-B791-721480A02982}" type="datetime1">
               <a:rPr lang="en-US" smtClean="0"/>
-              <a:t>6/30/24</a:t>
+              <a:t>7/13/24</a:t>
             </a:fld>
             <a:endParaRPr lang="en-US"/>
           </a:p>
@@ -20541,7 +20557,7 @@
           <a:p>
             <a:fld id="{6700A58B-DD98-43D0-B791-721480A02982}" type="datetime1">
               <a:rPr lang="en-US" smtClean="0"/>
-              <a:t>6/30/24</a:t>
+              <a:t>7/13/24</a:t>
             </a:fld>
             <a:endParaRPr lang="en-US"/>
           </a:p>
@@ -21117,7 +21133,7 @@
           <a:p>
             <a:fld id="{6700A58B-DD98-43D0-B791-721480A02982}" type="datetime1">
               <a:rPr lang="en-US" smtClean="0"/>
-              <a:t>6/30/24</a:t>
+              <a:t>7/13/24</a:t>
             </a:fld>
             <a:endParaRPr lang="en-US"/>
           </a:p>
@@ -21682,7 +21698,7 @@
           <a:p>
             <a:fld id="{6700A58B-DD98-43D0-B791-721480A02982}" type="datetime1">
               <a:rPr lang="en-US" smtClean="0"/>
-              <a:t>6/30/24</a:t>
+              <a:t>7/13/24</a:t>
             </a:fld>
             <a:endParaRPr lang="en-US"/>
           </a:p>
@@ -22266,7 +22282,7 @@
           <a:p>
             <a:fld id="{6700A58B-DD98-43D0-B791-721480A02982}" type="datetime1">
               <a:rPr lang="en-US" smtClean="0"/>
-              <a:t>6/30/24</a:t>
+              <a:t>7/13/24</a:t>
             </a:fld>
             <a:endParaRPr lang="en-US"/>
           </a:p>
@@ -22842,7 +22858,7 @@
           <a:p>
             <a:fld id="{6700A58B-DD98-43D0-B791-721480A02982}" type="datetime1">
               <a:rPr lang="en-US" smtClean="0"/>
-              <a:t>6/30/24</a:t>
+              <a:t>7/13/24</a:t>
             </a:fld>
             <a:endParaRPr lang="en-US"/>
           </a:p>
@@ -23418,7 +23434,7 @@
           <a:p>
             <a:fld id="{6700A58B-DD98-43D0-B791-721480A02982}" type="datetime1">
               <a:rPr lang="en-US" smtClean="0"/>
-              <a:t>6/30/24</a:t>
+              <a:t>7/13/24</a:t>
             </a:fld>
             <a:endParaRPr lang="en-US"/>
           </a:p>
@@ -24831,7 +24847,7 @@
           <a:p>
             <a:fld id="{9B19E99B-5349-415A-8E56-8E989211A366}" type="datetime1">
               <a:rPr lang="en-US" smtClean="0"/>
-              <a:t>6/30/24</a:t>
+              <a:t>7/13/24</a:t>
             </a:fld>
             <a:endParaRPr lang="en-US"/>
           </a:p>
@@ -24940,7 +24956,7 @@
           <a:p>
             <a:fld id="{6700A58B-DD98-43D0-B791-721480A02982}" type="datetime1">
               <a:rPr lang="en-US" smtClean="0"/>
-              <a:t>6/30/24</a:t>
+              <a:t>7/13/24</a:t>
             </a:fld>
             <a:endParaRPr lang="en-US"/>
           </a:p>
@@ -25479,7 +25495,7 @@
           <a:p>
             <a:fld id="{6700A58B-DD98-43D0-B791-721480A02982}" type="datetime1">
               <a:rPr lang="en-US" smtClean="0"/>
-              <a:t>6/30/24</a:t>
+              <a:t>7/13/24</a:t>
             </a:fld>
             <a:endParaRPr lang="en-US"/>
           </a:p>
@@ -25850,7 +25866,7 @@
           <a:p>
             <a:fld id="{6700A58B-DD98-43D0-B791-721480A02982}" type="datetime1">
               <a:rPr lang="en-US" smtClean="0"/>
-              <a:t>6/30/24</a:t>
+              <a:t>7/13/24</a:t>
             </a:fld>
             <a:endParaRPr lang="en-US"/>
           </a:p>
@@ -26312,7 +26328,7 @@
           <a:p>
             <a:fld id="{6700A58B-DD98-43D0-B791-721480A02982}" type="datetime1">
               <a:rPr lang="en-US" smtClean="0"/>
-              <a:t>6/30/24</a:t>
+              <a:t>7/13/24</a:t>
             </a:fld>
             <a:endParaRPr lang="en-US"/>
           </a:p>
@@ -26723,7 +26739,7 @@
           <a:p>
             <a:fld id="{6700A58B-DD98-43D0-B791-721480A02982}" type="datetime1">
               <a:rPr lang="en-US" smtClean="0"/>
-              <a:t>6/30/24</a:t>
+              <a:t>7/13/24</a:t>
             </a:fld>
             <a:endParaRPr lang="en-US"/>
           </a:p>
@@ -27174,7 +27190,7 @@
           <a:p>
             <a:fld id="{6700A58B-DD98-43D0-B791-721480A02982}" type="datetime1">
               <a:rPr lang="en-US" smtClean="0"/>
-              <a:t>6/30/24</a:t>
+              <a:t>7/13/24</a:t>
             </a:fld>
             <a:endParaRPr lang="en-US"/>
           </a:p>
@@ -27808,7 +27824,7 @@
           <a:p>
             <a:fld id="{6700A58B-DD98-43D0-B791-721480A02982}" type="datetime1">
               <a:rPr lang="en-US" smtClean="0"/>
-              <a:t>6/30/24</a:t>
+              <a:t>7/13/24</a:t>
             </a:fld>
             <a:endParaRPr lang="en-US"/>
           </a:p>
@@ -28458,7 +28474,7 @@
           <a:p>
             <a:fld id="{6700A58B-DD98-43D0-B791-721480A02982}" type="datetime1">
               <a:rPr lang="en-US" smtClean="0"/>
-              <a:t>6/30/24</a:t>
+              <a:t>7/13/24</a:t>
             </a:fld>
             <a:endParaRPr lang="en-US"/>
           </a:p>
@@ -29006,7 +29022,7 @@
           <a:p>
             <a:fld id="{6700A58B-DD98-43D0-B791-721480A02982}" type="datetime1">
               <a:rPr lang="en-US" smtClean="0"/>
-              <a:t>6/30/24</a:t>
+              <a:t>7/13/24</a:t>
             </a:fld>
             <a:endParaRPr lang="en-US"/>
           </a:p>
@@ -29260,7 +29276,7 @@
           <a:p>
             <a:fld id="{6700A58B-DD98-43D0-B791-721480A02982}" type="datetime1">
               <a:rPr lang="en-US" smtClean="0"/>
-              <a:t>6/30/24</a:t>
+              <a:t>7/13/24</a:t>
             </a:fld>
             <a:endParaRPr lang="en-US"/>
           </a:p>
